--- a/Презентация Витухина.pptx
+++ b/Презентация Витухина.pptx
@@ -5,7 +5,7 @@
     <p:sldMasterId id="2147483648" r:id="rId1"/>
   </p:sldMasterIdLst>
   <p:notesMasterIdLst>
-    <p:notesMasterId r:id="rId12"/>
+    <p:notesMasterId r:id="rId13"/>
   </p:notesMasterIdLst>
   <p:sldIdLst>
     <p:sldId id="256" r:id="rId2"/>
@@ -17,7 +17,8 @@
     <p:sldId id="266" r:id="rId8"/>
     <p:sldId id="267" r:id="rId9"/>
     <p:sldId id="268" r:id="rId10"/>
-    <p:sldId id="270" r:id="rId11"/>
+    <p:sldId id="271" r:id="rId11"/>
+    <p:sldId id="270" r:id="rId12"/>
   </p:sldIdLst>
   <p:sldSz cx="12192000" cy="6858000"/>
   <p:notesSz cx="6858000" cy="9144000"/>
@@ -122,653 +123,6 @@
     </p:ext>
   </p:extLst>
 </p:presentation>
-</file>
-
-<file path=ppt/changesInfos/changesInfo1.xml><?xml version="1.0" encoding="utf-8"?>
-<pc:chgInfo xmlns:a="http://schemas.openxmlformats.org/drawingml/2006/main" xmlns:r="http://schemas.openxmlformats.org/officeDocument/2006/relationships" xmlns:ac="http://schemas.microsoft.com/office/drawing/2013/main/command" xmlns:pc="http://schemas.microsoft.com/office/powerpoint/2013/main/command">
-  <pc:docChgLst>
-    <pc:chgData name="Настя Витухина" userId="911dad6a5872d546" providerId="LiveId" clId="{CCACD3C3-B803-496E-A1EE-83C61E962578}"/>
-    <pc:docChg chg="undo custSel addSld delSld modSld sldOrd">
-      <pc:chgData name="Настя Витухина" userId="911dad6a5872d546" providerId="LiveId" clId="{CCACD3C3-B803-496E-A1EE-83C61E962578}" dt="2026-01-13T23:34:06.651" v="397" actId="14100"/>
-      <pc:docMkLst>
-        <pc:docMk/>
-      </pc:docMkLst>
-      <pc:sldChg chg="ord">
-        <pc:chgData name="Настя Витухина" userId="911dad6a5872d546" providerId="LiveId" clId="{CCACD3C3-B803-496E-A1EE-83C61E962578}" dt="2026-01-13T23:33:28.220" v="357"/>
-        <pc:sldMkLst>
-          <pc:docMk/>
-          <pc:sldMk cId="2240160879" sldId="256"/>
-        </pc:sldMkLst>
-      </pc:sldChg>
-      <pc:sldChg chg="delSp del mod">
-        <pc:chgData name="Настя Витухина" userId="911dad6a5872d546" providerId="LiveId" clId="{CCACD3C3-B803-496E-A1EE-83C61E962578}" dt="2026-01-13T22:44:19.582" v="221" actId="47"/>
-        <pc:sldMkLst>
-          <pc:docMk/>
-          <pc:sldMk cId="1667847999" sldId="257"/>
-        </pc:sldMkLst>
-        <pc:spChg chg="del">
-          <ac:chgData name="Настя Витухина" userId="911dad6a5872d546" providerId="LiveId" clId="{CCACD3C3-B803-496E-A1EE-83C61E962578}" dt="2026-01-13T22:44:16.982" v="220" actId="478"/>
-          <ac:spMkLst>
-            <pc:docMk/>
-            <pc:sldMk cId="1667847999" sldId="257"/>
-            <ac:spMk id="115" creationId="{00000000-0000-0000-0000-000000000000}"/>
-          </ac:spMkLst>
-        </pc:spChg>
-      </pc:sldChg>
-      <pc:sldChg chg="del">
-        <pc:chgData name="Настя Витухина" userId="911dad6a5872d546" providerId="LiveId" clId="{CCACD3C3-B803-496E-A1EE-83C61E962578}" dt="2026-01-13T22:44:20.710" v="222" actId="47"/>
-        <pc:sldMkLst>
-          <pc:docMk/>
-          <pc:sldMk cId="2406902812" sldId="258"/>
-        </pc:sldMkLst>
-      </pc:sldChg>
-      <pc:sldChg chg="del">
-        <pc:chgData name="Настя Витухина" userId="911dad6a5872d546" providerId="LiveId" clId="{CCACD3C3-B803-496E-A1EE-83C61E962578}" dt="2026-01-13T22:44:21.400" v="223" actId="47"/>
-        <pc:sldMkLst>
-          <pc:docMk/>
-          <pc:sldMk cId="3419959081" sldId="259"/>
-        </pc:sldMkLst>
-      </pc:sldChg>
-      <pc:sldChg chg="modSp mod">
-        <pc:chgData name="Настя Витухина" userId="911dad6a5872d546" providerId="LiveId" clId="{CCACD3C3-B803-496E-A1EE-83C61E962578}" dt="2026-01-13T22:35:55.136" v="81" actId="207"/>
-        <pc:sldMkLst>
-          <pc:docMk/>
-          <pc:sldMk cId="4221713860" sldId="260"/>
-        </pc:sldMkLst>
-        <pc:spChg chg="mod">
-          <ac:chgData name="Настя Витухина" userId="911dad6a5872d546" providerId="LiveId" clId="{CCACD3C3-B803-496E-A1EE-83C61E962578}" dt="2026-01-13T22:35:55.136" v="81" actId="207"/>
-          <ac:spMkLst>
-            <pc:docMk/>
-            <pc:sldMk cId="4221713860" sldId="260"/>
-            <ac:spMk id="3" creationId="{00000000-0000-0000-0000-000000000000}"/>
-          </ac:spMkLst>
-        </pc:spChg>
-      </pc:sldChg>
-      <pc:sldChg chg="del">
-        <pc:chgData name="Настя Витухина" userId="911dad6a5872d546" providerId="LiveId" clId="{CCACD3C3-B803-496E-A1EE-83C61E962578}" dt="2026-01-13T22:44:29.463" v="224" actId="47"/>
-        <pc:sldMkLst>
-          <pc:docMk/>
-          <pc:sldMk cId="2441128052" sldId="261"/>
-        </pc:sldMkLst>
-      </pc:sldChg>
-      <pc:sldChg chg="modSp mod">
-        <pc:chgData name="Настя Витухина" userId="911dad6a5872d546" providerId="LiveId" clId="{CCACD3C3-B803-496E-A1EE-83C61E962578}" dt="2026-01-13T22:46:48.579" v="240" actId="113"/>
-        <pc:sldMkLst>
-          <pc:docMk/>
-          <pc:sldMk cId="3226737101" sldId="262"/>
-        </pc:sldMkLst>
-        <pc:spChg chg="mod">
-          <ac:chgData name="Настя Витухина" userId="911dad6a5872d546" providerId="LiveId" clId="{CCACD3C3-B803-496E-A1EE-83C61E962578}" dt="2026-01-13T22:46:07.192" v="235" actId="20577"/>
-          <ac:spMkLst>
-            <pc:docMk/>
-            <pc:sldMk cId="3226737101" sldId="262"/>
-            <ac:spMk id="9" creationId="{62789492-842E-5D69-5D10-E46AB9DBB9AE}"/>
-          </ac:spMkLst>
-        </pc:spChg>
-        <pc:spChg chg="mod">
-          <ac:chgData name="Настя Витухина" userId="911dad6a5872d546" providerId="LiveId" clId="{CCACD3C3-B803-496E-A1EE-83C61E962578}" dt="2026-01-13T22:45:12.918" v="225" actId="1582"/>
-          <ac:spMkLst>
-            <pc:docMk/>
-            <pc:sldMk cId="3226737101" sldId="262"/>
-            <ac:spMk id="10" creationId="{D3660720-AA21-FDCE-EA04-19BD4B89EB46}"/>
-          </ac:spMkLst>
-        </pc:spChg>
-        <pc:spChg chg="mod">
-          <ac:chgData name="Настя Витухина" userId="911dad6a5872d546" providerId="LiveId" clId="{CCACD3C3-B803-496E-A1EE-83C61E962578}" dt="2026-01-13T22:45:31.596" v="227" actId="113"/>
-          <ac:spMkLst>
-            <pc:docMk/>
-            <pc:sldMk cId="3226737101" sldId="262"/>
-            <ac:spMk id="14" creationId="{0BE17727-BFB0-77B7-3BE8-2308114BE623}"/>
-          </ac:spMkLst>
-        </pc:spChg>
-        <pc:spChg chg="mod">
-          <ac:chgData name="Настя Витухина" userId="911dad6a5872d546" providerId="LiveId" clId="{CCACD3C3-B803-496E-A1EE-83C61E962578}" dt="2026-01-13T22:46:48.579" v="240" actId="113"/>
-          <ac:spMkLst>
-            <pc:docMk/>
-            <pc:sldMk cId="3226737101" sldId="262"/>
-            <ac:spMk id="16" creationId="{6A22EA44-CAF9-0731-15E4-A66097F1DF0F}"/>
-          </ac:spMkLst>
-        </pc:spChg>
-        <pc:cxnChg chg="mod">
-          <ac:chgData name="Настя Витухина" userId="911dad6a5872d546" providerId="LiveId" clId="{CCACD3C3-B803-496E-A1EE-83C61E962578}" dt="2026-01-13T22:45:26.113" v="226" actId="1582"/>
-          <ac:cxnSpMkLst>
-            <pc:docMk/>
-            <pc:sldMk cId="3226737101" sldId="262"/>
-            <ac:cxnSpMk id="12" creationId="{BC4547CA-D5F7-E7DA-FA82-DF17655D59FF}"/>
-          </ac:cxnSpMkLst>
-        </pc:cxnChg>
-      </pc:sldChg>
-      <pc:sldChg chg="addSp delSp modSp mod">
-        <pc:chgData name="Настя Витухина" userId="911dad6a5872d546" providerId="LiveId" clId="{CCACD3C3-B803-496E-A1EE-83C61E962578}" dt="2026-01-13T22:34:30.356" v="69" actId="1076"/>
-        <pc:sldMkLst>
-          <pc:docMk/>
-          <pc:sldMk cId="3261170712" sldId="263"/>
-        </pc:sldMkLst>
-        <pc:spChg chg="add mod">
-          <ac:chgData name="Настя Витухина" userId="911dad6a5872d546" providerId="LiveId" clId="{CCACD3C3-B803-496E-A1EE-83C61E962578}" dt="2026-01-13T22:32:24.159" v="58" actId="1076"/>
-          <ac:spMkLst>
-            <pc:docMk/>
-            <pc:sldMk cId="3261170712" sldId="263"/>
-            <ac:spMk id="33" creationId="{59E4E704-8A13-8F6B-2E59-99C86D1F417B}"/>
-          </ac:spMkLst>
-        </pc:spChg>
-        <pc:spChg chg="add del mod">
-          <ac:chgData name="Настя Витухина" userId="911dad6a5872d546" providerId="LiveId" clId="{CCACD3C3-B803-496E-A1EE-83C61E962578}" dt="2026-01-13T22:32:32.369" v="60"/>
-          <ac:spMkLst>
-            <pc:docMk/>
-            <pc:sldMk cId="3261170712" sldId="263"/>
-            <ac:spMk id="34" creationId="{37DE509F-8271-8DC0-31C5-182CE551D18C}"/>
-          </ac:spMkLst>
-        </pc:spChg>
-        <pc:spChg chg="add mod">
-          <ac:chgData name="Настя Витухина" userId="911dad6a5872d546" providerId="LiveId" clId="{CCACD3C3-B803-496E-A1EE-83C61E962578}" dt="2026-01-13T22:32:17.712" v="57" actId="20577"/>
-          <ac:spMkLst>
-            <pc:docMk/>
-            <pc:sldMk cId="3261170712" sldId="263"/>
-            <ac:spMk id="35" creationId="{8FA38552-B834-B0A9-1D6A-3B75014EF17F}"/>
-          </ac:spMkLst>
-        </pc:spChg>
-        <pc:spChg chg="add mod">
-          <ac:chgData name="Настя Витухина" userId="911dad6a5872d546" providerId="LiveId" clId="{CCACD3C3-B803-496E-A1EE-83C61E962578}" dt="2026-01-13T22:34:30.356" v="69" actId="1076"/>
-          <ac:spMkLst>
-            <pc:docMk/>
-            <pc:sldMk cId="3261170712" sldId="263"/>
-            <ac:spMk id="36" creationId="{FEC9EB79-BFC3-F570-8AD3-28433C720B3C}"/>
-          </ac:spMkLst>
-        </pc:spChg>
-        <pc:spChg chg="add mod">
-          <ac:chgData name="Настя Витухина" userId="911dad6a5872d546" providerId="LiveId" clId="{CCACD3C3-B803-496E-A1EE-83C61E962578}" dt="2026-01-13T22:34:08.989" v="64"/>
-          <ac:spMkLst>
-            <pc:docMk/>
-            <pc:sldMk cId="3261170712" sldId="263"/>
-            <ac:spMk id="37" creationId="{15EFB5FD-F024-69E0-F23E-59283B7D9EB4}"/>
-          </ac:spMkLst>
-        </pc:spChg>
-      </pc:sldChg>
-      <pc:sldChg chg="addSp delSp modSp add mod ord">
-        <pc:chgData name="Настя Витухина" userId="911dad6a5872d546" providerId="LiveId" clId="{CCACD3C3-B803-496E-A1EE-83C61E962578}" dt="2026-01-13T22:47:10.383" v="244" actId="403"/>
-        <pc:sldMkLst>
-          <pc:docMk/>
-          <pc:sldMk cId="2143492697" sldId="264"/>
-        </pc:sldMkLst>
-        <pc:spChg chg="add mod">
-          <ac:chgData name="Настя Витухина" userId="911dad6a5872d546" providerId="LiveId" clId="{CCACD3C3-B803-496E-A1EE-83C61E962578}" dt="2026-01-13T22:47:10.383" v="244" actId="403"/>
-          <ac:spMkLst>
-            <pc:docMk/>
-            <pc:sldMk cId="2143492697" sldId="264"/>
-            <ac:spMk id="3" creationId="{251A5EF5-2A0C-72E9-B494-06C9DC15D17D}"/>
-          </ac:spMkLst>
-        </pc:spChg>
-        <pc:spChg chg="mod">
-          <ac:chgData name="Настя Витухина" userId="911dad6a5872d546" providerId="LiveId" clId="{CCACD3C3-B803-496E-A1EE-83C61E962578}" dt="2026-01-13T22:36:21.343" v="94" actId="20577"/>
-          <ac:spMkLst>
-            <pc:docMk/>
-            <pc:sldMk cId="2143492697" sldId="264"/>
-            <ac:spMk id="9" creationId="{EAF2783A-5A83-F31C-1E69-0B98497CC3AD}"/>
-          </ac:spMkLst>
-        </pc:spChg>
-        <pc:spChg chg="del">
-          <ac:chgData name="Настя Витухина" userId="911dad6a5872d546" providerId="LiveId" clId="{CCACD3C3-B803-496E-A1EE-83C61E962578}" dt="2026-01-13T22:34:50.964" v="77" actId="478"/>
-          <ac:spMkLst>
-            <pc:docMk/>
-            <pc:sldMk cId="2143492697" sldId="264"/>
-            <ac:spMk id="10" creationId="{7EEDDF02-DEA5-8D1A-4B85-AD10F5E413FA}"/>
-          </ac:spMkLst>
-        </pc:spChg>
-        <pc:spChg chg="del">
-          <ac:chgData name="Настя Витухина" userId="911dad6a5872d546" providerId="LiveId" clId="{CCACD3C3-B803-496E-A1EE-83C61E962578}" dt="2026-01-13T22:34:44.597" v="73" actId="478"/>
-          <ac:spMkLst>
-            <pc:docMk/>
-            <pc:sldMk cId="2143492697" sldId="264"/>
-            <ac:spMk id="14" creationId="{A880810F-0617-3E74-CFD4-6A8BFB827D81}"/>
-          </ac:spMkLst>
-        </pc:spChg>
-        <pc:spChg chg="del mod">
-          <ac:chgData name="Настя Витухина" userId="911dad6a5872d546" providerId="LiveId" clId="{CCACD3C3-B803-496E-A1EE-83C61E962578}" dt="2026-01-13T22:34:50.236" v="76" actId="478"/>
-          <ac:spMkLst>
-            <pc:docMk/>
-            <pc:sldMk cId="2143492697" sldId="264"/>
-            <ac:spMk id="16" creationId="{F0AAABB5-ADBF-B4A7-D74D-EE2E7EC6569B}"/>
-          </ac:spMkLst>
-        </pc:spChg>
-        <pc:cxnChg chg="del">
-          <ac:chgData name="Настя Витухина" userId="911dad6a5872d546" providerId="LiveId" clId="{CCACD3C3-B803-496E-A1EE-83C61E962578}" dt="2026-01-13T22:34:44.597" v="73" actId="478"/>
-          <ac:cxnSpMkLst>
-            <pc:docMk/>
-            <pc:sldMk cId="2143492697" sldId="264"/>
-            <ac:cxnSpMk id="12" creationId="{6C9EEE1A-4036-B9B0-4BFA-AA8BEDB8599D}"/>
-          </ac:cxnSpMkLst>
-        </pc:cxnChg>
-      </pc:sldChg>
-      <pc:sldChg chg="addSp delSp modSp add mod ord">
-        <pc:chgData name="Настя Витухина" userId="911dad6a5872d546" providerId="LiveId" clId="{CCACD3C3-B803-496E-A1EE-83C61E962578}" dt="2026-01-13T22:47:40.793" v="251" actId="404"/>
-        <pc:sldMkLst>
-          <pc:docMk/>
-          <pc:sldMk cId="2515043445" sldId="265"/>
-        </pc:sldMkLst>
-        <pc:spChg chg="add mod">
-          <ac:chgData name="Настя Витухина" userId="911dad6a5872d546" providerId="LiveId" clId="{CCACD3C3-B803-496E-A1EE-83C61E962578}" dt="2026-01-13T22:42:40.261" v="177" actId="1076"/>
-          <ac:spMkLst>
-            <pc:docMk/>
-            <pc:sldMk cId="2515043445" sldId="265"/>
-            <ac:spMk id="2" creationId="{9101E9BA-1730-625B-FE2E-707504A247D7}"/>
-          </ac:spMkLst>
-        </pc:spChg>
-        <pc:spChg chg="mod">
-          <ac:chgData name="Настя Витухина" userId="911dad6a5872d546" providerId="LiveId" clId="{CCACD3C3-B803-496E-A1EE-83C61E962578}" dt="2026-01-13T22:40:53.136" v="161" actId="14100"/>
-          <ac:spMkLst>
-            <pc:docMk/>
-            <pc:sldMk cId="2515043445" sldId="265"/>
-            <ac:spMk id="4" creationId="{99A85A5C-7F5A-08DE-6564-5342571D90BE}"/>
-          </ac:spMkLst>
-        </pc:spChg>
-        <pc:spChg chg="add mod">
-          <ac:chgData name="Настя Витухина" userId="911dad6a5872d546" providerId="LiveId" clId="{CCACD3C3-B803-496E-A1EE-83C61E962578}" dt="2026-01-13T22:47:40.793" v="251" actId="404"/>
-          <ac:spMkLst>
-            <pc:docMk/>
-            <pc:sldMk cId="2515043445" sldId="265"/>
-            <ac:spMk id="5" creationId="{65B2FF0B-53D3-DB9A-C355-B2CC4B88A8AE}"/>
-          </ac:spMkLst>
-        </pc:spChg>
-        <pc:spChg chg="add mod">
-          <ac:chgData name="Настя Витухина" userId="911dad6a5872d546" providerId="LiveId" clId="{CCACD3C3-B803-496E-A1EE-83C61E962578}" dt="2026-01-13T22:42:20.255" v="175" actId="1076"/>
-          <ac:spMkLst>
-            <pc:docMk/>
-            <pc:sldMk cId="2515043445" sldId="265"/>
-            <ac:spMk id="6" creationId="{2F2FF23C-F78C-A06E-CD0E-80760EBB47CB}"/>
-          </ac:spMkLst>
-        </pc:spChg>
-        <pc:spChg chg="del">
-          <ac:chgData name="Настя Витухина" userId="911dad6a5872d546" providerId="LiveId" clId="{CCACD3C3-B803-496E-A1EE-83C61E962578}" dt="2026-01-13T22:39:44.643" v="118" actId="478"/>
-          <ac:spMkLst>
-            <pc:docMk/>
-            <pc:sldMk cId="2515043445" sldId="265"/>
-            <ac:spMk id="7" creationId="{74E3F1E9-C7B2-1D95-CCBA-4B1362C5EB9B}"/>
-          </ac:spMkLst>
-        </pc:spChg>
-        <pc:spChg chg="add mod">
-          <ac:chgData name="Настя Витухина" userId="911dad6a5872d546" providerId="LiveId" clId="{CCACD3C3-B803-496E-A1EE-83C61E962578}" dt="2026-01-13T22:47:35.147" v="250" actId="403"/>
-          <ac:spMkLst>
-            <pc:docMk/>
-            <pc:sldMk cId="2515043445" sldId="265"/>
-            <ac:spMk id="10" creationId="{459F58DA-96A1-C6E3-6DD9-14FAAD109898}"/>
-          </ac:spMkLst>
-        </pc:spChg>
-        <pc:spChg chg="del">
-          <ac:chgData name="Настя Витухина" userId="911dad6a5872d546" providerId="LiveId" clId="{CCACD3C3-B803-496E-A1EE-83C61E962578}" dt="2026-01-13T22:39:46.875" v="120" actId="478"/>
-          <ac:spMkLst>
-            <pc:docMk/>
-            <pc:sldMk cId="2515043445" sldId="265"/>
-            <ac:spMk id="19" creationId="{662C9428-9BB1-E722-3989-4457270D4D94}"/>
-          </ac:spMkLst>
-        </pc:spChg>
-        <pc:spChg chg="del">
-          <ac:chgData name="Настя Витухина" userId="911dad6a5872d546" providerId="LiveId" clId="{CCACD3C3-B803-496E-A1EE-83C61E962578}" dt="2026-01-13T22:39:46.875" v="120" actId="478"/>
-          <ac:spMkLst>
-            <pc:docMk/>
-            <pc:sldMk cId="2515043445" sldId="265"/>
-            <ac:spMk id="20" creationId="{E9233C00-4DED-BB6A-519D-FF2A30E6A81A}"/>
-          </ac:spMkLst>
-        </pc:spChg>
-        <pc:spChg chg="del">
-          <ac:chgData name="Настя Витухина" userId="911dad6a5872d546" providerId="LiveId" clId="{CCACD3C3-B803-496E-A1EE-83C61E962578}" dt="2026-01-13T22:39:46.875" v="120" actId="478"/>
-          <ac:spMkLst>
-            <pc:docMk/>
-            <pc:sldMk cId="2515043445" sldId="265"/>
-            <ac:spMk id="21" creationId="{A1F4F251-2748-E92C-5124-D5EE92D6D7D8}"/>
-          </ac:spMkLst>
-        </pc:spChg>
-        <pc:spChg chg="del">
-          <ac:chgData name="Настя Витухина" userId="911dad6a5872d546" providerId="LiveId" clId="{CCACD3C3-B803-496E-A1EE-83C61E962578}" dt="2026-01-13T22:39:46.875" v="120" actId="478"/>
-          <ac:spMkLst>
-            <pc:docMk/>
-            <pc:sldMk cId="2515043445" sldId="265"/>
-            <ac:spMk id="29" creationId="{9EE8FB07-8A12-C597-6841-D70B0E1252B5}"/>
-          </ac:spMkLst>
-        </pc:spChg>
-        <pc:spChg chg="del">
-          <ac:chgData name="Настя Витухина" userId="911dad6a5872d546" providerId="LiveId" clId="{CCACD3C3-B803-496E-A1EE-83C61E962578}" dt="2026-01-13T22:39:46.875" v="120" actId="478"/>
-          <ac:spMkLst>
-            <pc:docMk/>
-            <pc:sldMk cId="2515043445" sldId="265"/>
-            <ac:spMk id="30" creationId="{E6D9CBB2-F090-7BD3-CDA5-1FC074BCF922}"/>
-          </ac:spMkLst>
-        </pc:spChg>
-        <pc:spChg chg="del">
-          <ac:chgData name="Настя Витухина" userId="911dad6a5872d546" providerId="LiveId" clId="{CCACD3C3-B803-496E-A1EE-83C61E962578}" dt="2026-01-13T22:39:46.875" v="120" actId="478"/>
-          <ac:spMkLst>
-            <pc:docMk/>
-            <pc:sldMk cId="2515043445" sldId="265"/>
-            <ac:spMk id="31" creationId="{C453F158-A2C8-FBEC-1B74-7423FAE1B5FC}"/>
-          </ac:spMkLst>
-        </pc:spChg>
-        <pc:spChg chg="del">
-          <ac:chgData name="Настя Витухина" userId="911dad6a5872d546" providerId="LiveId" clId="{CCACD3C3-B803-496E-A1EE-83C61E962578}" dt="2026-01-13T22:39:48.745" v="122" actId="478"/>
-          <ac:spMkLst>
-            <pc:docMk/>
-            <pc:sldMk cId="2515043445" sldId="265"/>
-            <ac:spMk id="33" creationId="{113E14A9-F9B7-90DA-FC50-1707BF53D7F0}"/>
-          </ac:spMkLst>
-        </pc:spChg>
-        <pc:spChg chg="del">
-          <ac:chgData name="Настя Витухина" userId="911dad6a5872d546" providerId="LiveId" clId="{CCACD3C3-B803-496E-A1EE-83C61E962578}" dt="2026-01-13T22:39:47.945" v="121" actId="478"/>
-          <ac:spMkLst>
-            <pc:docMk/>
-            <pc:sldMk cId="2515043445" sldId="265"/>
-            <ac:spMk id="35" creationId="{94DDB8CF-46A2-2AC6-5D84-B9BAD4B293E2}"/>
-          </ac:spMkLst>
-        </pc:spChg>
-        <pc:spChg chg="del">
-          <ac:chgData name="Настя Витухина" userId="911dad6a5872d546" providerId="LiveId" clId="{CCACD3C3-B803-496E-A1EE-83C61E962578}" dt="2026-01-13T22:39:47.945" v="121" actId="478"/>
-          <ac:spMkLst>
-            <pc:docMk/>
-            <pc:sldMk cId="2515043445" sldId="265"/>
-            <ac:spMk id="36" creationId="{FB1155E4-B9BB-BCBB-4EFA-17742F7EB7C6}"/>
-          </ac:spMkLst>
-        </pc:spChg>
-        <pc:cxnChg chg="del mod">
-          <ac:chgData name="Настя Витухина" userId="911dad6a5872d546" providerId="LiveId" clId="{CCACD3C3-B803-496E-A1EE-83C61E962578}" dt="2026-01-13T22:39:46.875" v="120" actId="478"/>
-          <ac:cxnSpMkLst>
-            <pc:docMk/>
-            <pc:sldMk cId="2515043445" sldId="265"/>
-            <ac:cxnSpMk id="9" creationId="{A067CC59-DEA8-14FB-15BF-86E5B4F9A5AA}"/>
-          </ac:cxnSpMkLst>
-        </pc:cxnChg>
-        <pc:cxnChg chg="del">
-          <ac:chgData name="Настя Витухина" userId="911dad6a5872d546" providerId="LiveId" clId="{CCACD3C3-B803-496E-A1EE-83C61E962578}" dt="2026-01-13T22:39:45.543" v="119" actId="478"/>
-          <ac:cxnSpMkLst>
-            <pc:docMk/>
-            <pc:sldMk cId="2515043445" sldId="265"/>
-            <ac:cxnSpMk id="12" creationId="{84F6D297-D664-8783-EB7E-9BE87511835A}"/>
-          </ac:cxnSpMkLst>
-        </pc:cxnChg>
-        <pc:cxnChg chg="del">
-          <ac:chgData name="Настя Витухина" userId="911dad6a5872d546" providerId="LiveId" clId="{CCACD3C3-B803-496E-A1EE-83C61E962578}" dt="2026-01-13T22:39:46.875" v="120" actId="478"/>
-          <ac:cxnSpMkLst>
-            <pc:docMk/>
-            <pc:sldMk cId="2515043445" sldId="265"/>
-            <ac:cxnSpMk id="14" creationId="{16C12E25-19F9-CBE4-211D-834F44B4A853}"/>
-          </ac:cxnSpMkLst>
-        </pc:cxnChg>
-        <pc:cxnChg chg="del">
-          <ac:chgData name="Настя Витухина" userId="911dad6a5872d546" providerId="LiveId" clId="{CCACD3C3-B803-496E-A1EE-83C61E962578}" dt="2026-01-13T22:39:46.875" v="120" actId="478"/>
-          <ac:cxnSpMkLst>
-            <pc:docMk/>
-            <pc:sldMk cId="2515043445" sldId="265"/>
-            <ac:cxnSpMk id="16" creationId="{3FBC4EBB-D625-75B9-F207-D77C3EB5C17E}"/>
-          </ac:cxnSpMkLst>
-        </pc:cxnChg>
-        <pc:cxnChg chg="del">
-          <ac:chgData name="Настя Витухина" userId="911dad6a5872d546" providerId="LiveId" clId="{CCACD3C3-B803-496E-A1EE-83C61E962578}" dt="2026-01-13T22:39:46.875" v="120" actId="478"/>
-          <ac:cxnSpMkLst>
-            <pc:docMk/>
-            <pc:sldMk cId="2515043445" sldId="265"/>
-            <ac:cxnSpMk id="18" creationId="{D9AA32B4-5AAA-1675-AB67-77C689AD489E}"/>
-          </ac:cxnSpMkLst>
-        </pc:cxnChg>
-        <pc:cxnChg chg="del">
-          <ac:chgData name="Настя Витухина" userId="911dad6a5872d546" providerId="LiveId" clId="{CCACD3C3-B803-496E-A1EE-83C61E962578}" dt="2026-01-13T22:39:47.945" v="121" actId="478"/>
-          <ac:cxnSpMkLst>
-            <pc:docMk/>
-            <pc:sldMk cId="2515043445" sldId="265"/>
-            <ac:cxnSpMk id="23" creationId="{FD851C7A-FA88-C4EE-BB1A-03C2EC996B6E}"/>
-          </ac:cxnSpMkLst>
-        </pc:cxnChg>
-        <pc:cxnChg chg="del">
-          <ac:chgData name="Настя Витухина" userId="911dad6a5872d546" providerId="LiveId" clId="{CCACD3C3-B803-496E-A1EE-83C61E962578}" dt="2026-01-13T22:39:47.945" v="121" actId="478"/>
-          <ac:cxnSpMkLst>
-            <pc:docMk/>
-            <pc:sldMk cId="2515043445" sldId="265"/>
-            <ac:cxnSpMk id="24" creationId="{24D616B0-C079-D41A-EBEA-6DDFF18C7280}"/>
-          </ac:cxnSpMkLst>
-        </pc:cxnChg>
-        <pc:cxnChg chg="del">
-          <ac:chgData name="Настя Витухина" userId="911dad6a5872d546" providerId="LiveId" clId="{CCACD3C3-B803-496E-A1EE-83C61E962578}" dt="2026-01-13T22:39:47.945" v="121" actId="478"/>
-          <ac:cxnSpMkLst>
-            <pc:docMk/>
-            <pc:sldMk cId="2515043445" sldId="265"/>
-            <ac:cxnSpMk id="25" creationId="{02E433AC-0625-F928-04ED-CA6124369BFB}"/>
-          </ac:cxnSpMkLst>
-        </pc:cxnChg>
-      </pc:sldChg>
-      <pc:sldChg chg="addSp delSp modSp add mod ord">
-        <pc:chgData name="Настя Витухина" userId="911dad6a5872d546" providerId="LiveId" clId="{CCACD3C3-B803-496E-A1EE-83C61E962578}" dt="2026-01-13T22:54:38.569" v="296" actId="1440"/>
-        <pc:sldMkLst>
-          <pc:docMk/>
-          <pc:sldMk cId="2097972118" sldId="266"/>
-        </pc:sldMkLst>
-        <pc:spChg chg="del">
-          <ac:chgData name="Настя Витухина" userId="911dad6a5872d546" providerId="LiveId" clId="{CCACD3C3-B803-496E-A1EE-83C61E962578}" dt="2026-01-13T22:52:23.419" v="255" actId="478"/>
-          <ac:spMkLst>
-            <pc:docMk/>
-            <pc:sldMk cId="2097972118" sldId="266"/>
-            <ac:spMk id="3" creationId="{F5FCE4A8-A4B6-52D0-7E50-AD475CA6C27B}"/>
-          </ac:spMkLst>
-        </pc:spChg>
-        <pc:spChg chg="mod">
-          <ac:chgData name="Настя Витухина" userId="911dad6a5872d546" providerId="LiveId" clId="{CCACD3C3-B803-496E-A1EE-83C61E962578}" dt="2026-01-13T22:52:48.440" v="284" actId="1076"/>
-          <ac:spMkLst>
-            <pc:docMk/>
-            <pc:sldMk cId="2097972118" sldId="266"/>
-            <ac:spMk id="9" creationId="{F40634ED-08FD-8930-D1A2-E458FCC5E7FE}"/>
-          </ac:spMkLst>
-        </pc:spChg>
-        <pc:picChg chg="add mod">
-          <ac:chgData name="Настя Витухина" userId="911dad6a5872d546" providerId="LiveId" clId="{CCACD3C3-B803-496E-A1EE-83C61E962578}" dt="2026-01-13T22:53:53.424" v="289" actId="1076"/>
-          <ac:picMkLst>
-            <pc:docMk/>
-            <pc:sldMk cId="2097972118" sldId="266"/>
-            <ac:picMk id="4" creationId="{857A9032-4537-186C-3FBD-B955048BA9F1}"/>
-          </ac:picMkLst>
-        </pc:picChg>
-        <pc:picChg chg="add mod">
-          <ac:chgData name="Настя Витухина" userId="911dad6a5872d546" providerId="LiveId" clId="{CCACD3C3-B803-496E-A1EE-83C61E962578}" dt="2026-01-13T22:54:38.569" v="296" actId="1440"/>
-          <ac:picMkLst>
-            <pc:docMk/>
-            <pc:sldMk cId="2097972118" sldId="266"/>
-            <ac:picMk id="6" creationId="{8963E701-701C-1F6C-09D4-BBD9422D3DBD}"/>
-          </ac:picMkLst>
-        </pc:picChg>
-      </pc:sldChg>
-      <pc:sldChg chg="addSp delSp modSp add mod">
-        <pc:chgData name="Настя Витухина" userId="911dad6a5872d546" providerId="LiveId" clId="{CCACD3C3-B803-496E-A1EE-83C61E962578}" dt="2026-01-13T23:31:42.473" v="336" actId="1076"/>
-        <pc:sldMkLst>
-          <pc:docMk/>
-          <pc:sldMk cId="2021153795" sldId="267"/>
-        </pc:sldMkLst>
-        <pc:spChg chg="del">
-          <ac:chgData name="Настя Витухина" userId="911dad6a5872d546" providerId="LiveId" clId="{CCACD3C3-B803-496E-A1EE-83C61E962578}" dt="2026-01-13T22:55:33.033" v="300" actId="478"/>
-          <ac:spMkLst>
-            <pc:docMk/>
-            <pc:sldMk cId="2021153795" sldId="267"/>
-            <ac:spMk id="9" creationId="{8486F048-0014-1CDF-D18A-685F23043159}"/>
-          </ac:spMkLst>
-        </pc:spChg>
-        <pc:picChg chg="add mod">
-          <ac:chgData name="Настя Витухина" userId="911dad6a5872d546" providerId="LiveId" clId="{CCACD3C3-B803-496E-A1EE-83C61E962578}" dt="2026-01-13T23:31:17.808" v="331" actId="14861"/>
-          <ac:picMkLst>
-            <pc:docMk/>
-            <pc:sldMk cId="2021153795" sldId="267"/>
-            <ac:picMk id="2" creationId="{554B3A9D-0558-1450-7448-AD8E5A9BEE97}"/>
-          </ac:picMkLst>
-        </pc:picChg>
-        <pc:picChg chg="add mod">
-          <ac:chgData name="Настя Витухина" userId="911dad6a5872d546" providerId="LiveId" clId="{CCACD3C3-B803-496E-A1EE-83C61E962578}" dt="2026-01-13T23:31:37.340" v="334" actId="1076"/>
-          <ac:picMkLst>
-            <pc:docMk/>
-            <pc:sldMk cId="2021153795" sldId="267"/>
-            <ac:picMk id="3" creationId="{5DE89283-AD54-36BE-9165-D2A66728118C}"/>
-          </ac:picMkLst>
-        </pc:picChg>
-        <pc:picChg chg="del">
-          <ac:chgData name="Настя Витухина" userId="911dad6a5872d546" providerId="LiveId" clId="{CCACD3C3-B803-496E-A1EE-83C61E962578}" dt="2026-01-13T22:55:30.376" v="299" actId="478"/>
-          <ac:picMkLst>
-            <pc:docMk/>
-            <pc:sldMk cId="2021153795" sldId="267"/>
-            <ac:picMk id="4" creationId="{6F8D7DCB-6A07-4CFD-3398-6B6143700C8F}"/>
-          </ac:picMkLst>
-        </pc:picChg>
-        <pc:picChg chg="add mod">
-          <ac:chgData name="Настя Витухина" userId="911dad6a5872d546" providerId="LiveId" clId="{CCACD3C3-B803-496E-A1EE-83C61E962578}" dt="2026-01-13T23:31:42.473" v="336" actId="1076"/>
-          <ac:picMkLst>
-            <pc:docMk/>
-            <pc:sldMk cId="2021153795" sldId="267"/>
-            <ac:picMk id="5" creationId="{D0D976A2-CCC9-9EAA-7393-D3D8F3F90CC6}"/>
-          </ac:picMkLst>
-        </pc:picChg>
-        <pc:picChg chg="del">
-          <ac:chgData name="Настя Витухина" userId="911dad6a5872d546" providerId="LiveId" clId="{CCACD3C3-B803-496E-A1EE-83C61E962578}" dt="2026-01-13T22:55:29.012" v="298" actId="478"/>
-          <ac:picMkLst>
-            <pc:docMk/>
-            <pc:sldMk cId="2021153795" sldId="267"/>
-            <ac:picMk id="6" creationId="{16F9774A-D733-62E5-08E8-2C6974AD6124}"/>
-          </ac:picMkLst>
-        </pc:picChg>
-      </pc:sldChg>
-      <pc:sldChg chg="addSp delSp modSp add mod">
-        <pc:chgData name="Настя Витухина" userId="911dad6a5872d546" providerId="LiveId" clId="{CCACD3C3-B803-496E-A1EE-83C61E962578}" dt="2026-01-13T23:33:07.511" v="350" actId="1076"/>
-        <pc:sldMkLst>
-          <pc:docMk/>
-          <pc:sldMk cId="819520739" sldId="268"/>
-        </pc:sldMkLst>
-        <pc:picChg chg="del">
-          <ac:chgData name="Настя Витухина" userId="911dad6a5872d546" providerId="LiveId" clId="{CCACD3C3-B803-496E-A1EE-83C61E962578}" dt="2026-01-13T23:29:54.456" v="319" actId="478"/>
-          <ac:picMkLst>
-            <pc:docMk/>
-            <pc:sldMk cId="819520739" sldId="268"/>
-            <ac:picMk id="2" creationId="{AD56301D-CA1D-4984-C7C8-0B253A5B63F4}"/>
-          </ac:picMkLst>
-        </pc:picChg>
-        <pc:picChg chg="del">
-          <ac:chgData name="Настя Витухина" userId="911dad6a5872d546" providerId="LiveId" clId="{CCACD3C3-B803-496E-A1EE-83C61E962578}" dt="2026-01-13T23:29:55.755" v="321" actId="478"/>
-          <ac:picMkLst>
-            <pc:docMk/>
-            <pc:sldMk cId="819520739" sldId="268"/>
-            <ac:picMk id="3" creationId="{A3B2893E-EE6C-BA78-A913-B4BFE3F1D832}"/>
-          </ac:picMkLst>
-        </pc:picChg>
-        <pc:picChg chg="add mod">
-          <ac:chgData name="Настя Витухина" userId="911dad6a5872d546" providerId="LiveId" clId="{CCACD3C3-B803-496E-A1EE-83C61E962578}" dt="2026-01-13T23:31:58.800" v="339" actId="14861"/>
-          <ac:picMkLst>
-            <pc:docMk/>
-            <pc:sldMk cId="819520739" sldId="268"/>
-            <ac:picMk id="4" creationId="{8158049B-854E-88C0-5692-3DE6A962EE11}"/>
-          </ac:picMkLst>
-        </pc:picChg>
-        <pc:picChg chg="del">
-          <ac:chgData name="Настя Витухина" userId="911dad6a5872d546" providerId="LiveId" clId="{CCACD3C3-B803-496E-A1EE-83C61E962578}" dt="2026-01-13T23:29:55.134" v="320" actId="478"/>
-          <ac:picMkLst>
-            <pc:docMk/>
-            <pc:sldMk cId="819520739" sldId="268"/>
-            <ac:picMk id="5" creationId="{575A2C96-96BC-AECE-F1BD-CABED97BD385}"/>
-          </ac:picMkLst>
-        </pc:picChg>
-        <pc:picChg chg="add mod">
-          <ac:chgData name="Настя Витухина" userId="911dad6a5872d546" providerId="LiveId" clId="{CCACD3C3-B803-496E-A1EE-83C61E962578}" dt="2026-01-13T23:33:07.511" v="350" actId="1076"/>
-          <ac:picMkLst>
-            <pc:docMk/>
-            <pc:sldMk cId="819520739" sldId="268"/>
-            <ac:picMk id="6" creationId="{83352256-2A65-2467-7EA3-B48DCE81DF43}"/>
-          </ac:picMkLst>
-        </pc:picChg>
-        <pc:picChg chg="add mod">
-          <ac:chgData name="Настя Витухина" userId="911dad6a5872d546" providerId="LiveId" clId="{CCACD3C3-B803-496E-A1EE-83C61E962578}" dt="2026-01-13T23:33:06.349" v="349" actId="1076"/>
-          <ac:picMkLst>
-            <pc:docMk/>
-            <pc:sldMk cId="819520739" sldId="268"/>
-            <ac:picMk id="7" creationId="{E08DC051-38BB-78A8-A495-7734C1DE2E7D}"/>
-          </ac:picMkLst>
-        </pc:picChg>
-        <pc:picChg chg="add mod">
-          <ac:chgData name="Настя Витухина" userId="911dad6a5872d546" providerId="LiveId" clId="{CCACD3C3-B803-496E-A1EE-83C61E962578}" dt="2026-01-13T23:32:31.587" v="344" actId="14861"/>
-          <ac:picMkLst>
-            <pc:docMk/>
-            <pc:sldMk cId="819520739" sldId="268"/>
-            <ac:picMk id="8" creationId="{50E00A9A-164D-1811-FEF8-B649D16B20E2}"/>
-          </ac:picMkLst>
-        </pc:picChg>
-        <pc:picChg chg="add del mod">
-          <ac:chgData name="Настя Витухина" userId="911dad6a5872d546" providerId="LiveId" clId="{CCACD3C3-B803-496E-A1EE-83C61E962578}" dt="2026-01-13T23:32:53.975" v="348" actId="478"/>
-          <ac:picMkLst>
-            <pc:docMk/>
-            <pc:sldMk cId="819520739" sldId="268"/>
-            <ac:picMk id="9" creationId="{DD776190-A8FC-4696-32D4-85061727C8A7}"/>
-          </ac:picMkLst>
-        </pc:picChg>
-      </pc:sldChg>
-      <pc:sldChg chg="delSp add del mod">
-        <pc:chgData name="Настя Витухина" userId="911dad6a5872d546" providerId="LiveId" clId="{CCACD3C3-B803-496E-A1EE-83C61E962578}" dt="2026-01-13T23:33:36.432" v="361" actId="47"/>
-        <pc:sldMkLst>
-          <pc:docMk/>
-          <pc:sldMk cId="3393190701" sldId="269"/>
-        </pc:sldMkLst>
-        <pc:picChg chg="del">
-          <ac:chgData name="Настя Витухина" userId="911dad6a5872d546" providerId="LiveId" clId="{CCACD3C3-B803-496E-A1EE-83C61E962578}" dt="2026-01-13T23:33:19.932" v="354" actId="478"/>
-          <ac:picMkLst>
-            <pc:docMk/>
-            <pc:sldMk cId="3393190701" sldId="269"/>
-            <ac:picMk id="4" creationId="{760CB620-ACF6-232A-0CE4-118F9E8513ED}"/>
-          </ac:picMkLst>
-        </pc:picChg>
-        <pc:picChg chg="del">
-          <ac:chgData name="Настя Витухина" userId="911dad6a5872d546" providerId="LiveId" clId="{CCACD3C3-B803-496E-A1EE-83C61E962578}" dt="2026-01-13T23:33:19.064" v="353" actId="478"/>
-          <ac:picMkLst>
-            <pc:docMk/>
-            <pc:sldMk cId="3393190701" sldId="269"/>
-            <ac:picMk id="6" creationId="{F1FC1128-B062-2771-55D3-EE15BDEE35E1}"/>
-          </ac:picMkLst>
-        </pc:picChg>
-        <pc:picChg chg="del">
-          <ac:chgData name="Настя Витухина" userId="911dad6a5872d546" providerId="LiveId" clId="{CCACD3C3-B803-496E-A1EE-83C61E962578}" dt="2026-01-13T23:33:18.187" v="352" actId="478"/>
-          <ac:picMkLst>
-            <pc:docMk/>
-            <pc:sldMk cId="3393190701" sldId="269"/>
-            <ac:picMk id="7" creationId="{4604B8E5-E9FB-97ED-D2BF-7441774DCEFE}"/>
-          </ac:picMkLst>
-        </pc:picChg>
-        <pc:picChg chg="del">
-          <ac:chgData name="Настя Витухина" userId="911dad6a5872d546" providerId="LiveId" clId="{CCACD3C3-B803-496E-A1EE-83C61E962578}" dt="2026-01-13T23:33:20.606" v="355" actId="478"/>
-          <ac:picMkLst>
-            <pc:docMk/>
-            <pc:sldMk cId="3393190701" sldId="269"/>
-            <ac:picMk id="8" creationId="{C8DF5DE2-5D5F-E002-7A3D-4FE07F2FF9C0}"/>
-          </ac:picMkLst>
-        </pc:picChg>
-      </pc:sldChg>
-      <pc:sldChg chg="addSp delSp modSp add mod ord">
-        <pc:chgData name="Настя Витухина" userId="911dad6a5872d546" providerId="LiveId" clId="{CCACD3C3-B803-496E-A1EE-83C61E962578}" dt="2026-01-13T23:34:06.651" v="397" actId="14100"/>
-        <pc:sldMkLst>
-          <pc:docMk/>
-          <pc:sldMk cId="944229060" sldId="270"/>
-        </pc:sldMkLst>
-        <pc:spChg chg="mod">
-          <ac:chgData name="Настя Витухина" userId="911dad6a5872d546" providerId="LiveId" clId="{CCACD3C3-B803-496E-A1EE-83C61E962578}" dt="2026-01-13T23:34:06.651" v="397" actId="14100"/>
-          <ac:spMkLst>
-            <pc:docMk/>
-            <pc:sldMk cId="944229060" sldId="270"/>
-            <ac:spMk id="2" creationId="{7E4658F8-A4FD-078D-1ADF-19A85BCB3E44}"/>
-          </ac:spMkLst>
-        </pc:spChg>
-        <pc:spChg chg="del">
-          <ac:chgData name="Настя Витухина" userId="911dad6a5872d546" providerId="LiveId" clId="{CCACD3C3-B803-496E-A1EE-83C61E962578}" dt="2026-01-13T23:33:52.783" v="388" actId="478"/>
-          <ac:spMkLst>
-            <pc:docMk/>
-            <pc:sldMk cId="944229060" sldId="270"/>
-            <ac:spMk id="3" creationId="{0631C08C-3730-B361-800B-F88D60BF4EA0}"/>
-          </ac:spMkLst>
-        </pc:spChg>
-        <pc:spChg chg="add del mod">
-          <ac:chgData name="Настя Витухина" userId="911dad6a5872d546" providerId="LiveId" clId="{CCACD3C3-B803-496E-A1EE-83C61E962578}" dt="2026-01-13T23:33:56.489" v="389" actId="478"/>
-          <ac:spMkLst>
-            <pc:docMk/>
-            <pc:sldMk cId="944229060" sldId="270"/>
-            <ac:spMk id="5" creationId="{8FD86EC0-301C-169E-200F-51DCE85BE043}"/>
-          </ac:spMkLst>
-        </pc:spChg>
-      </pc:sldChg>
-    </pc:docChg>
-  </pc:docChgLst>
-</pc:chgInfo>
 </file>
 
 <file path=ppt/notesMasters/notesMaster1.xml><?xml version="1.0" encoding="utf-8"?>
@@ -19245,6 +18599,248 @@
   <p:cSld>
     <p:spTree>
       <p:nvGrpSpPr>
+        <p:cNvPr id="1" name=""/>
+        <p:cNvGrpSpPr/>
+        <p:nvPr/>
+      </p:nvGrpSpPr>
+      <p:grpSpPr>
+        <a:xfrm>
+          <a:off x="0" y="0"/>
+          <a:ext cx="0" cy="0"/>
+          <a:chOff x="0" y="0"/>
+          <a:chExt cx="0" cy="0"/>
+        </a:xfrm>
+      </p:grpSpPr>
+      <p:sp>
+        <p:nvSpPr>
+          <p:cNvPr id="2" name="Заголовок 1">
+            <a:extLst>
+              <a:ext uri="{FF2B5EF4-FFF2-40B4-BE49-F238E27FC236}">
+                <a16:creationId xmlns:a16="http://schemas.microsoft.com/office/drawing/2014/main" id="{BA58EE93-D247-D041-11F4-69E774989F7F}"/>
+              </a:ext>
+            </a:extLst>
+          </p:cNvPr>
+          <p:cNvSpPr>
+            <a:spLocks noGrp="1"/>
+          </p:cNvSpPr>
+          <p:nvPr>
+            <p:ph type="title"/>
+          </p:nvPr>
+        </p:nvSpPr>
+        <p:spPr>
+          <a:xfrm>
+            <a:off x="947322" y="-866505"/>
+            <a:ext cx="3650668" cy="2051579"/>
+          </a:xfrm>
+        </p:spPr>
+        <p:txBody>
+          <a:bodyPr/>
+          <a:lstStyle/>
+          <a:p>
+            <a:r>
+              <a:rPr lang="ru-RU" b="1" dirty="0"/>
+              <a:t>Итог: </a:t>
+            </a:r>
+            <a:endParaRPr lang="ru-UM" b="1" dirty="0"/>
+          </a:p>
+        </p:txBody>
+      </p:sp>
+      <p:sp>
+        <p:nvSpPr>
+          <p:cNvPr id="15" name="Текст 14">
+            <a:extLst>
+              <a:ext uri="{FF2B5EF4-FFF2-40B4-BE49-F238E27FC236}">
+                <a16:creationId xmlns:a16="http://schemas.microsoft.com/office/drawing/2014/main" id="{FAE5EF5C-308B-994B-F0B4-1CC5F51D0480}"/>
+              </a:ext>
+            </a:extLst>
+          </p:cNvPr>
+          <p:cNvSpPr txBox="1">
+            <a:spLocks noGrp="1"/>
+          </p:cNvSpPr>
+          <p:nvPr>
+            <p:ph type="body" idx="1"/>
+          </p:nvPr>
+        </p:nvSpPr>
+        <p:spPr>
+          <a:xfrm>
+            <a:off x="1085430" y="1815737"/>
+            <a:ext cx="10551314" cy="2395528"/>
+          </a:xfrm>
+          <a:prstGeom prst="rect">
+            <a:avLst/>
+          </a:prstGeom>
+          <a:noFill/>
+        </p:spPr>
+        <p:txBody>
+          <a:bodyPr wrap="square">
+            <a:spAutoFit/>
+          </a:bodyPr>
+          <a:lstStyle>
+            <a:defPPr>
+              <a:defRPr lang="ru-RU"/>
+            </a:defPPr>
+            <a:lvl1pPr marL="0" algn="l" defTabSz="914400" rtl="0" eaLnBrk="1" latinLnBrk="0" hangingPunct="1">
+              <a:defRPr sz="1800" kern="1200">
+                <a:solidFill>
+                  <a:schemeClr val="tx1"/>
+                </a:solidFill>
+                <a:latin typeface="+mn-lt"/>
+                <a:ea typeface="+mn-ea"/>
+                <a:cs typeface="+mn-cs"/>
+              </a:defRPr>
+            </a:lvl1pPr>
+            <a:lvl2pPr marL="457200" algn="l" defTabSz="914400" rtl="0" eaLnBrk="1" latinLnBrk="0" hangingPunct="1">
+              <a:defRPr sz="1800" kern="1200">
+                <a:solidFill>
+                  <a:schemeClr val="tx1"/>
+                </a:solidFill>
+                <a:latin typeface="+mn-lt"/>
+                <a:ea typeface="+mn-ea"/>
+                <a:cs typeface="+mn-cs"/>
+              </a:defRPr>
+            </a:lvl2pPr>
+            <a:lvl3pPr marL="914400" algn="l" defTabSz="914400" rtl="0" eaLnBrk="1" latinLnBrk="0" hangingPunct="1">
+              <a:defRPr sz="1800" kern="1200">
+                <a:solidFill>
+                  <a:schemeClr val="tx1"/>
+                </a:solidFill>
+                <a:latin typeface="+mn-lt"/>
+                <a:ea typeface="+mn-ea"/>
+                <a:cs typeface="+mn-cs"/>
+              </a:defRPr>
+            </a:lvl3pPr>
+            <a:lvl4pPr marL="1371600" algn="l" defTabSz="914400" rtl="0" eaLnBrk="1" latinLnBrk="0" hangingPunct="1">
+              <a:defRPr sz="1800" kern="1200">
+                <a:solidFill>
+                  <a:schemeClr val="tx1"/>
+                </a:solidFill>
+                <a:latin typeface="+mn-lt"/>
+                <a:ea typeface="+mn-ea"/>
+                <a:cs typeface="+mn-cs"/>
+              </a:defRPr>
+            </a:lvl4pPr>
+            <a:lvl5pPr marL="1828800" algn="l" defTabSz="914400" rtl="0" eaLnBrk="1" latinLnBrk="0" hangingPunct="1">
+              <a:defRPr sz="1800" kern="1200">
+                <a:solidFill>
+                  <a:schemeClr val="tx1"/>
+                </a:solidFill>
+                <a:latin typeface="+mn-lt"/>
+                <a:ea typeface="+mn-ea"/>
+                <a:cs typeface="+mn-cs"/>
+              </a:defRPr>
+            </a:lvl5pPr>
+            <a:lvl6pPr marL="2286000" algn="l" defTabSz="914400" rtl="0" eaLnBrk="1" latinLnBrk="0" hangingPunct="1">
+              <a:defRPr sz="1800" kern="1200">
+                <a:solidFill>
+                  <a:schemeClr val="tx1"/>
+                </a:solidFill>
+                <a:latin typeface="+mn-lt"/>
+                <a:ea typeface="+mn-ea"/>
+                <a:cs typeface="+mn-cs"/>
+              </a:defRPr>
+            </a:lvl6pPr>
+            <a:lvl7pPr marL="2743200" algn="l" defTabSz="914400" rtl="0" eaLnBrk="1" latinLnBrk="0" hangingPunct="1">
+              <a:defRPr sz="1800" kern="1200">
+                <a:solidFill>
+                  <a:schemeClr val="tx1"/>
+                </a:solidFill>
+                <a:latin typeface="+mn-lt"/>
+                <a:ea typeface="+mn-ea"/>
+                <a:cs typeface="+mn-cs"/>
+              </a:defRPr>
+            </a:lvl7pPr>
+            <a:lvl8pPr marL="3200400" algn="l" defTabSz="914400" rtl="0" eaLnBrk="1" latinLnBrk="0" hangingPunct="1">
+              <a:defRPr sz="1800" kern="1200">
+                <a:solidFill>
+                  <a:schemeClr val="tx1"/>
+                </a:solidFill>
+                <a:latin typeface="+mn-lt"/>
+                <a:ea typeface="+mn-ea"/>
+                <a:cs typeface="+mn-cs"/>
+              </a:defRPr>
+            </a:lvl8pPr>
+            <a:lvl9pPr marL="3657600" algn="l" defTabSz="914400" rtl="0" eaLnBrk="1" latinLnBrk="0" hangingPunct="1">
+              <a:defRPr sz="1800" kern="1200">
+                <a:solidFill>
+                  <a:schemeClr val="tx1"/>
+                </a:solidFill>
+                <a:latin typeface="+mn-lt"/>
+                <a:ea typeface="+mn-ea"/>
+                <a:cs typeface="+mn-cs"/>
+              </a:defRPr>
+            </a:lvl9pPr>
+          </a:lstStyle>
+          <a:p>
+            <a:r>
+              <a:rPr lang="ru-RU" b="1" dirty="0"/>
+              <a:t>В результате работы была успешно разработана программа "Учёт сотрудников", которая:</a:t>
+            </a:r>
+          </a:p>
+          <a:p>
+            <a:r>
+              <a:rPr lang="ru-RU" b="1" dirty="0"/>
+              <a:t>Полностью соответствует всем требованиям технического задания</a:t>
+            </a:r>
+            <a:r>
+              <a:rPr lang="ru-UM" b="1" dirty="0"/>
+              <a:t> </a:t>
+            </a:r>
+            <a:endParaRPr lang="ru-RU" b="1" dirty="0"/>
+          </a:p>
+          <a:p>
+            <a:r>
+              <a:rPr lang="ru-RU" b="1" dirty="0"/>
+              <a:t>Обеспечивает удобную работу с базой данных сотрудников</a:t>
+            </a:r>
+            <a:r>
+              <a:rPr lang="ru-UM" b="1" dirty="0"/>
+              <a:t> </a:t>
+            </a:r>
+            <a:endParaRPr lang="ru-RU" b="1" dirty="0"/>
+          </a:p>
+          <a:p>
+            <a:r>
+              <a:rPr lang="ru-RU" b="1" dirty="0"/>
+              <a:t>Реализует все необходимые функции с использованием сортировки слиянием</a:t>
+            </a:r>
+          </a:p>
+          <a:p>
+            <a:r>
+              <a:rPr lang="ru-UM" b="1" dirty="0"/>
+              <a:t> </a:t>
+            </a:r>
+            <a:r>
+              <a:rPr lang="ru-RU" b="1" dirty="0"/>
+              <a:t>Гарантирует корректность данных благодаря системе проверки ввода данных</a:t>
+            </a:r>
+          </a:p>
+          <a:p>
+            <a:r>
+              <a:rPr lang="ru-RU" b="1" dirty="0"/>
+              <a:t>Прошла всестороннее тестирование и доказала свою надёжность</a:t>
+            </a:r>
+            <a:endParaRPr lang="ru-UM" b="1" dirty="0"/>
+          </a:p>
+        </p:txBody>
+      </p:sp>
+    </p:spTree>
+    <p:extLst>
+      <p:ext uri="{BB962C8B-B14F-4D97-AF65-F5344CB8AC3E}">
+        <p14:creationId xmlns:p14="http://schemas.microsoft.com/office/powerpoint/2010/main" val="2135823171"/>
+      </p:ext>
+    </p:extLst>
+  </p:cSld>
+  <p:clrMapOvr>
+    <a:masterClrMapping/>
+  </p:clrMapOvr>
+</p:sld>
+</file>
+
+<file path=ppt/slides/slide11.xml><?xml version="1.0" encoding="utf-8"?>
+<p:sld xmlns:a="http://schemas.openxmlformats.org/drawingml/2006/main" xmlns:r="http://schemas.openxmlformats.org/officeDocument/2006/relationships" xmlns:p="http://schemas.openxmlformats.org/presentationml/2006/main">
+  <p:cSld>
+    <p:spTree>
+      <p:nvGrpSpPr>
         <p:cNvPr id="1" name="">
           <a:extLst>
             <a:ext uri="{FF2B5EF4-FFF2-40B4-BE49-F238E27FC236}">
@@ -19465,7 +19061,7 @@
         <p:spPr>
           <a:xfrm>
             <a:off x="395416" y="211815"/>
-            <a:ext cx="8443783" cy="1569660"/>
+            <a:ext cx="10650631" cy="1237474"/>
           </a:xfrm>
           <a:prstGeom prst="rect">
             <a:avLst/>
@@ -19863,7 +19459,7 @@
         <p:spPr>
           <a:xfrm>
             <a:off x="4217773" y="1779373"/>
-            <a:ext cx="3756454" cy="769441"/>
+            <a:ext cx="3756451" cy="1108978"/>
           </a:xfrm>
           <a:prstGeom prst="rect">
             <a:avLst/>
@@ -19909,8 +19505,8 @@
         </p:nvCxnSpPr>
         <p:spPr>
           <a:xfrm>
-            <a:off x="6096000" y="2548814"/>
-            <a:ext cx="0" cy="408570"/>
+            <a:off x="6095999" y="2888351"/>
+            <a:ext cx="1" cy="69033"/>
           </a:xfrm>
           <a:prstGeom prst="line">
             <a:avLst/>
@@ -20232,14 +19828,16 @@
             </a:extLst>
           </p:cNvPr>
           <p:cNvCxnSpPr>
+            <a:cxnSpLocks/>
             <a:stCxn id="19" idx="2"/>
+            <a:endCxn id="36" idx="0"/>
           </p:cNvCxnSpPr>
           <p:nvPr/>
         </p:nvCxnSpPr>
         <p:spPr>
-          <a:xfrm flipH="1">
-            <a:off x="4217772" y="4522571"/>
-            <a:ext cx="1" cy="486034"/>
+          <a:xfrm>
+            <a:off x="4217773" y="4522571"/>
+            <a:ext cx="1874112" cy="458621"/>
           </a:xfrm>
           <a:prstGeom prst="straightConnector1">
             <a:avLst/>
@@ -20311,13 +19909,16 @@
               </a:ext>
             </a:extLst>
           </p:cNvPr>
-          <p:cNvCxnSpPr/>
+          <p:cNvCxnSpPr>
+            <a:cxnSpLocks/>
+            <a:endCxn id="36" idx="0"/>
+          </p:cNvCxnSpPr>
           <p:nvPr/>
         </p:nvCxnSpPr>
         <p:spPr>
           <a:xfrm flipH="1">
-            <a:off x="7974224" y="4539045"/>
-            <a:ext cx="1" cy="486034"/>
+            <a:off x="6091885" y="4539045"/>
+            <a:ext cx="1882340" cy="442147"/>
           </a:xfrm>
           <a:prstGeom prst="straightConnector1">
             <a:avLst/>
@@ -20355,8 +19956,8 @@
         </p:nvSpPr>
         <p:spPr>
           <a:xfrm>
-            <a:off x="4456669" y="1956886"/>
-            <a:ext cx="6096000" cy="400110"/>
+            <a:off x="4394886" y="1801096"/>
+            <a:ext cx="3209327" cy="1015663"/>
           </a:xfrm>
           <a:prstGeom prst="rect">
             <a:avLst/>
@@ -20369,13 +19970,54 @@
           </a:bodyPr>
           <a:lstStyle/>
           <a:p>
+            <a:pPr algn="ctr"/>
             <a:r>
               <a:rPr lang="ru-RU" sz="2000" b="1" dirty="0">
                 <a:solidFill>
                   <a:schemeClr val="bg1"/>
                 </a:solidFill>
               </a:rPr>
-              <a:t> ГЛАВНОЕ МЕНЮ (8 пунктов)</a:t>
+              <a:t> </a:t>
+            </a:r>
+            <a:r>
+              <a:rPr lang="af-ZA" sz="2000" b="1" dirty="0">
+                <a:solidFill>
+                  <a:schemeClr val="bg1"/>
+                </a:solidFill>
+              </a:rPr>
+              <a:t>main.py              </a:t>
+            </a:r>
+            <a:endParaRPr lang="ru-RU" sz="2000" b="1" dirty="0">
+              <a:solidFill>
+                <a:schemeClr val="bg1"/>
+              </a:solidFill>
+            </a:endParaRPr>
+          </a:p>
+          <a:p>
+            <a:pPr algn="ctr"/>
+            <a:r>
+              <a:rPr lang="ru-RU" sz="2000" b="1" dirty="0">
+                <a:solidFill>
+                  <a:schemeClr val="bg1"/>
+                </a:solidFill>
+              </a:rPr>
+              <a:t> Запуск программы</a:t>
+            </a:r>
+            <a:endParaRPr lang="en-GB" sz="2000" b="1" dirty="0">
+              <a:solidFill>
+                <a:schemeClr val="bg1"/>
+              </a:solidFill>
+            </a:endParaRPr>
+          </a:p>
+          <a:p>
+            <a:pPr algn="ctr"/>
+            <a:r>
+              <a:rPr lang="ru-RU" sz="2000" b="1" dirty="0">
+                <a:solidFill>
+                  <a:schemeClr val="bg1"/>
+                </a:solidFill>
+              </a:rPr>
+              <a:t>Координация модулей</a:t>
             </a:r>
           </a:p>
         </p:txBody>
@@ -20394,8 +20036,8 @@
         </p:nvSpPr>
         <p:spPr>
           <a:xfrm>
-            <a:off x="3604035" y="3642385"/>
-            <a:ext cx="1169768" cy="584775"/>
+            <a:off x="3589622" y="3461827"/>
+            <a:ext cx="1198591" cy="1077218"/>
           </a:xfrm>
           <a:prstGeom prst="rect">
             <a:avLst/>
@@ -20409,23 +20051,63 @@
           <a:lstStyle/>
           <a:p>
             <a:r>
+              <a:rPr lang="af-ZA" sz="1600" b="1" dirty="0">
+                <a:solidFill>
+                  <a:schemeClr val="bg1"/>
+                </a:solidFill>
+              </a:rPr>
+              <a:t>Interface</a:t>
+            </a:r>
+            <a:r>
               <a:rPr lang="ru-RU" sz="1600" b="1" dirty="0">
                 <a:solidFill>
                   <a:schemeClr val="bg1"/>
                 </a:solidFill>
               </a:rPr>
-              <a:t> Просмотр</a:t>
-            </a:r>
-          </a:p>
-          <a:p>
-            <a:pPr algn="ctr"/>
+              <a:t>.</a:t>
+            </a:r>
+            <a:r>
+              <a:rPr lang="en-GB" sz="1600" b="1" dirty="0" err="1">
+                <a:solidFill>
+                  <a:schemeClr val="bg1"/>
+                </a:solidFill>
+              </a:rPr>
+              <a:t>py</a:t>
+            </a:r>
+            <a:endParaRPr lang="en-GB" sz="1600" b="1" dirty="0">
+              <a:solidFill>
+                <a:schemeClr val="bg1"/>
+              </a:solidFill>
+            </a:endParaRPr>
+          </a:p>
+          <a:p>
             <a:r>
               <a:rPr lang="ru-RU" sz="1600" b="1" dirty="0">
                 <a:solidFill>
                   <a:schemeClr val="bg1"/>
                 </a:solidFill>
               </a:rPr>
-              <a:t>данных</a:t>
+              <a:t>Меню</a:t>
+            </a:r>
+          </a:p>
+          <a:p>
+            <a:r>
+              <a:rPr lang="ru-RU" sz="1600" b="1" dirty="0">
+                <a:solidFill>
+                  <a:schemeClr val="bg1"/>
+                </a:solidFill>
+              </a:rPr>
+              <a:t>Интерфейс</a:t>
+            </a:r>
+          </a:p>
+          <a:p>
+            <a:r>
+              <a:rPr lang="ru-RU" sz="1600" b="1" dirty="0">
+                <a:solidFill>
+                  <a:schemeClr val="bg1"/>
+                </a:solidFill>
+              </a:rPr>
+              <a:t>Вывод</a:t>
             </a:r>
           </a:p>
         </p:txBody>
@@ -20444,8 +20126,8 @@
         </p:nvSpPr>
         <p:spPr>
           <a:xfrm>
-            <a:off x="5453440" y="3683397"/>
-            <a:ext cx="1285114" cy="584775"/>
+            <a:off x="5439027" y="3430934"/>
+            <a:ext cx="1285114" cy="1077218"/>
           </a:xfrm>
           <a:prstGeom prst="rect">
             <a:avLst/>
@@ -20460,12 +20142,28 @@
           <a:p>
             <a:pPr algn="ctr"/>
             <a:r>
+              <a:rPr lang="en-GB" sz="1600" b="1" dirty="0" err="1">
+                <a:solidFill>
+                  <a:schemeClr val="bg1"/>
+                </a:solidFill>
+              </a:rPr>
+              <a:t>Database.py</a:t>
+            </a:r>
+            <a:endParaRPr lang="en-GB" sz="1600" b="1" dirty="0">
+              <a:solidFill>
+                <a:schemeClr val="bg1"/>
+              </a:solidFill>
+            </a:endParaRPr>
+          </a:p>
+          <a:p>
+            <a:pPr algn="ctr"/>
+            <a:r>
               <a:rPr lang="ru-RU" sz="1600" b="1" dirty="0">
                 <a:solidFill>
                   <a:schemeClr val="bg1"/>
                 </a:solidFill>
               </a:rPr>
-              <a:t> Управление</a:t>
+              <a:t>Данные</a:t>
             </a:r>
           </a:p>
           <a:p>
@@ -20476,8 +20174,24 @@
                   <a:schemeClr val="bg1"/>
                 </a:solidFill>
               </a:rPr>
-              <a:t>данными</a:t>
-            </a:r>
+              <a:t>Хранение </a:t>
+            </a:r>
+          </a:p>
+          <a:p>
+            <a:pPr algn="ctr"/>
+            <a:r>
+              <a:rPr lang="en-GB" sz="1600" b="1" dirty="0">
+                <a:solidFill>
+                  <a:schemeClr val="bg1"/>
+                </a:solidFill>
+              </a:rPr>
+              <a:t>CRUD</a:t>
+            </a:r>
+            <a:endParaRPr lang="ru-RU" sz="1600" b="1" dirty="0">
+              <a:solidFill>
+                <a:schemeClr val="bg1"/>
+              </a:solidFill>
+            </a:endParaRPr>
           </a:p>
         </p:txBody>
       </p:sp>
@@ -20495,8 +20209,8 @@
         </p:nvSpPr>
         <p:spPr>
           <a:xfrm>
-            <a:off x="7389368" y="3662914"/>
-            <a:ext cx="1169768" cy="584775"/>
+            <a:off x="7269888" y="3399532"/>
+            <a:ext cx="1408665" cy="1077218"/>
           </a:xfrm>
           <a:prstGeom prst="rect">
             <a:avLst/>
@@ -20516,8 +20230,21 @@
                   <a:schemeClr val="bg1"/>
                 </a:solidFill>
               </a:rPr>
-              <a:t> Отчёты</a:t>
-            </a:r>
+              <a:t> </a:t>
+            </a:r>
+            <a:r>
+              <a:rPr lang="en-GB" sz="1600" b="1" dirty="0" err="1">
+                <a:solidFill>
+                  <a:schemeClr val="bg1"/>
+                </a:solidFill>
+              </a:rPr>
+              <a:t>reports.py</a:t>
+            </a:r>
+            <a:endParaRPr lang="en-GB" sz="1600" b="1" dirty="0">
+              <a:solidFill>
+                <a:schemeClr val="bg1"/>
+              </a:solidFill>
+            </a:endParaRPr>
           </a:p>
           <a:p>
             <a:pPr algn="ctr"/>
@@ -20527,95 +20254,15 @@
                   <a:schemeClr val="bg1"/>
                 </a:solidFill>
               </a:rPr>
-              <a:t>(3 вида)</a:t>
-            </a:r>
-          </a:p>
-        </p:txBody>
-      </p:sp>
-      <p:sp>
-        <p:nvSpPr>
-          <p:cNvPr id="33" name="TextBox 32">
-            <a:extLst>
-              <a:ext uri="{FF2B5EF4-FFF2-40B4-BE49-F238E27FC236}">
-                <a16:creationId xmlns:a16="http://schemas.microsoft.com/office/drawing/2014/main" id="{59E4E704-8A13-8F6B-2E59-99C86D1F417B}"/>
-              </a:ext>
-            </a:extLst>
-          </p:cNvPr>
-          <p:cNvSpPr txBox="1"/>
-          <p:nvPr/>
-        </p:nvSpPr>
-        <p:spPr>
-          <a:xfrm>
-            <a:off x="3513437" y="4981192"/>
-            <a:ext cx="1408668" cy="646331"/>
-          </a:xfrm>
-          <a:prstGeom prst="rect">
-            <a:avLst/>
-          </a:prstGeom>
-          <a:noFill/>
-        </p:spPr>
-        <p:txBody>
-          <a:bodyPr wrap="square">
-            <a:spAutoFit/>
-          </a:bodyPr>
-          <a:lstStyle/>
+              <a:t>Отчеты </a:t>
+            </a:r>
+          </a:p>
           <a:p>
             <a:pPr algn="ctr"/>
             <a:r>
-              <a:rPr lang="ru-RU" b="1" dirty="0">
-                <a:solidFill>
-                  <a:schemeClr val="accent1"/>
-                </a:solidFill>
-              </a:rPr>
-              <a:t>Табличный</a:t>
-            </a:r>
-          </a:p>
-          <a:p>
-            <a:pPr algn="ctr"/>
-            <a:r>
-              <a:rPr lang="ru-RU" b="1" dirty="0">
-                <a:solidFill>
-                  <a:schemeClr val="accent1"/>
-                </a:solidFill>
-              </a:rPr>
-              <a:t>вывод</a:t>
-            </a:r>
-          </a:p>
-        </p:txBody>
-      </p:sp>
-      <p:sp>
-        <p:nvSpPr>
-          <p:cNvPr id="35" name="TextBox 34">
-            <a:extLst>
-              <a:ext uri="{FF2B5EF4-FFF2-40B4-BE49-F238E27FC236}">
-                <a16:creationId xmlns:a16="http://schemas.microsoft.com/office/drawing/2014/main" id="{8FA38552-B834-B0A9-1D6A-3B75014EF17F}"/>
-              </a:ext>
-            </a:extLst>
-          </p:cNvPr>
-          <p:cNvSpPr txBox="1"/>
-          <p:nvPr/>
-        </p:nvSpPr>
-        <p:spPr>
-          <a:xfrm>
-            <a:off x="7269888" y="4981192"/>
-            <a:ext cx="1408668" cy="646331"/>
-          </a:xfrm>
-          <a:prstGeom prst="rect">
-            <a:avLst/>
-          </a:prstGeom>
-          <a:noFill/>
-        </p:spPr>
-        <p:txBody>
-          <a:bodyPr wrap="square">
-            <a:spAutoFit/>
-          </a:bodyPr>
-          <a:lstStyle/>
-          <a:p>
-            <a:pPr algn="ctr"/>
-            <a:r>
-              <a:rPr lang="ru-RU" b="1" dirty="0">
-                <a:solidFill>
-                  <a:schemeClr val="accent1"/>
+              <a:rPr lang="ru-RU" sz="1600" b="1" dirty="0">
+                <a:solidFill>
+                  <a:schemeClr val="bg1"/>
                 </a:solidFill>
               </a:rPr>
               <a:t>Сортировка</a:t>
@@ -20624,12 +20271,12 @@
           <a:p>
             <a:pPr algn="ctr"/>
             <a:r>
-              <a:rPr lang="ru-RU" b="1" dirty="0">
-                <a:solidFill>
-                  <a:schemeClr val="accent1"/>
+              <a:rPr lang="ru-RU" sz="1600" b="1" dirty="0">
+                <a:solidFill>
+                  <a:schemeClr val="bg1"/>
                 </a:solidFill>
               </a:rPr>
-              <a:t>слиянием</a:t>
+              <a:t>Фильтрация </a:t>
             </a:r>
           </a:p>
         </p:txBody>
@@ -20649,7 +20296,7 @@
         <p:spPr>
           <a:xfrm>
             <a:off x="5220733" y="4981192"/>
-            <a:ext cx="1742303" cy="1200329"/>
+            <a:ext cx="1742303" cy="923330"/>
           </a:xfrm>
           <a:prstGeom prst="rect">
             <a:avLst/>
@@ -20664,18 +20311,29 @@
           <a:p>
             <a:pPr algn="ctr"/>
             <a:r>
-              <a:rPr lang="ru-RU" b="1">
+              <a:rPr lang="en-GB" b="1" dirty="0" err="1">
                 <a:solidFill>
                   <a:schemeClr val="accent1"/>
                 </a:solidFill>
               </a:rPr>
-              <a:t>Операции работы с данными сотрудников</a:t>
-            </a:r>
-            <a:endParaRPr lang="ru-RU" b="1" dirty="0">
+              <a:t>Validation.py</a:t>
+            </a:r>
+            <a:endParaRPr lang="en-GB" b="1" dirty="0">
               <a:solidFill>
                 <a:schemeClr val="accent1"/>
               </a:solidFill>
             </a:endParaRPr>
+          </a:p>
+          <a:p>
+            <a:pPr algn="ctr"/>
+            <a:r>
+              <a:rPr lang="ru-RU" b="1" dirty="0">
+                <a:solidFill>
+                  <a:schemeClr val="accent1"/>
+                </a:solidFill>
+              </a:rPr>
+              <a:t>Проверка данных</a:t>
+            </a:r>
           </a:p>
         </p:txBody>
       </p:sp>
@@ -20919,8 +20577,8 @@
         </p:nvSpPr>
         <p:spPr>
           <a:xfrm>
-            <a:off x="57665" y="631566"/>
-            <a:ext cx="12134335" cy="769441"/>
+            <a:off x="411892" y="300230"/>
+            <a:ext cx="11368215" cy="1446550"/>
           </a:xfrm>
           <a:prstGeom prst="rect">
             <a:avLst/>
